--- a/plots/precatorios.pptx
+++ b/plots/precatorios.pptx
@@ -9,11 +9,12 @@
     <p:sldId id="259" r:id="rId3"/>
     <p:sldId id="260" r:id="rId4"/>
     <p:sldId id="261" r:id="rId5"/>
-    <p:sldId id="262" r:id="rId6"/>
-    <p:sldId id="256" r:id="rId7"/>
-    <p:sldId id="264" r:id="rId8"/>
-    <p:sldId id="258" r:id="rId9"/>
-    <p:sldId id="257" r:id="rId10"/>
+    <p:sldId id="265" r:id="rId6"/>
+    <p:sldId id="262" r:id="rId7"/>
+    <p:sldId id="256" r:id="rId8"/>
+    <p:sldId id="264" r:id="rId9"/>
+    <p:sldId id="258" r:id="rId10"/>
+    <p:sldId id="257" r:id="rId11"/>
   </p:sldIdLst>
   <p:sldSz cx="12192000" cy="6858000"/>
   <p:notesSz cx="6858000" cy="9144000"/>
@@ -3650,7 +3651,7 @@
           <a:p>
             <a:r>
               <a:rPr lang="pt-BR" b="1" dirty="0"/>
-              <a:t>Precatórios</a:t>
+              <a:t>Precatórios 2025</a:t>
             </a:r>
           </a:p>
         </p:txBody>
@@ -4263,6 +4264,72 @@
 </p:sld>
 </file>
 
+<file path=ppt/slides/slide10.xml><?xml version="1.0" encoding="utf-8"?>
+<p:sld xmlns:a="http://schemas.openxmlformats.org/drawingml/2006/main" xmlns:r="http://schemas.openxmlformats.org/officeDocument/2006/relationships" xmlns:p="http://schemas.openxmlformats.org/presentationml/2006/main">
+  <p:cSld>
+    <p:spTree>
+      <p:nvGrpSpPr>
+        <p:cNvPr id="1" name=""/>
+        <p:cNvGrpSpPr/>
+        <p:nvPr/>
+      </p:nvGrpSpPr>
+      <p:grpSpPr>
+        <a:xfrm>
+          <a:off x="0" y="0"/>
+          <a:ext cx="0" cy="0"/>
+          <a:chOff x="0" y="0"/>
+          <a:chExt cx="0" cy="0"/>
+        </a:xfrm>
+      </p:grpSpPr>
+      <p:pic>
+        <p:nvPicPr>
+          <p:cNvPr id="3" name="Imagem 2" descr="Gráfico, Gráfico de barras&#10;&#10;Descrição gerada automaticamente">
+            <a:extLst>
+              <a:ext uri="{FF2B5EF4-FFF2-40B4-BE49-F238E27FC236}">
+                <a16:creationId xmlns:a16="http://schemas.microsoft.com/office/drawing/2014/main" id="{BB7BDAA3-FD0A-1EEC-839E-7458CB7EDBA6}"/>
+              </a:ext>
+            </a:extLst>
+          </p:cNvPr>
+          <p:cNvPicPr>
+            <a:picLocks noChangeAspect="1"/>
+          </p:cNvPicPr>
+          <p:nvPr/>
+        </p:nvPicPr>
+        <p:blipFill>
+          <a:blip r:embed="rId2">
+            <a:extLst>
+              <a:ext uri="{28A0092B-C50C-407E-A947-70E740481C1C}">
+                <a14:useLocalDpi xmlns:a14="http://schemas.microsoft.com/office/drawing/2010/main" val="0"/>
+              </a:ext>
+            </a:extLst>
+          </a:blip>
+          <a:stretch>
+            <a:fillRect/>
+          </a:stretch>
+        </p:blipFill>
+        <p:spPr>
+          <a:xfrm>
+            <a:off x="0" y="177800"/>
+            <a:ext cx="12192000" cy="6502400"/>
+          </a:xfrm>
+          <a:prstGeom prst="rect">
+            <a:avLst/>
+          </a:prstGeom>
+        </p:spPr>
+      </p:pic>
+    </p:spTree>
+    <p:extLst>
+      <p:ext uri="{BB962C8B-B14F-4D97-AF65-F5344CB8AC3E}">
+        <p14:creationId xmlns:p14="http://schemas.microsoft.com/office/powerpoint/2010/main" val="2492110476"/>
+      </p:ext>
+    </p:extLst>
+  </p:cSld>
+  <p:clrMapOvr>
+    <a:masterClrMapping/>
+  </p:clrMapOvr>
+</p:sld>
+</file>
+
 <file path=ppt/slides/slide2.xml><?xml version="1.0" encoding="utf-8"?>
 <p:sld xmlns:a="http://schemas.openxmlformats.org/drawingml/2006/main" xmlns:r="http://schemas.openxmlformats.org/officeDocument/2006/relationships" xmlns:p="http://schemas.openxmlformats.org/presentationml/2006/main">
   <p:cSld>
@@ -4544,6 +4611,426 @@
 <file path=ppt/slides/slide5.xml><?xml version="1.0" encoding="utf-8"?>
 <p:sld xmlns:a="http://schemas.openxmlformats.org/drawingml/2006/main" xmlns:r="http://schemas.openxmlformats.org/officeDocument/2006/relationships" xmlns:p="http://schemas.openxmlformats.org/presentationml/2006/main">
   <p:cSld>
+    <p:bg>
+      <p:bgPr>
+        <a:solidFill>
+          <a:schemeClr val="bg1"/>
+        </a:solidFill>
+        <a:effectLst/>
+      </p:bgPr>
+    </p:bg>
+    <p:spTree>
+      <p:nvGrpSpPr>
+        <p:cNvPr id="1" name="">
+          <a:extLst>
+            <a:ext uri="{FF2B5EF4-FFF2-40B4-BE49-F238E27FC236}">
+              <a16:creationId xmlns:a16="http://schemas.microsoft.com/office/drawing/2014/main" id="{82FA4AE6-CF70-6D61-C7A9-A8D94408D14F}"/>
+            </a:ext>
+          </a:extLst>
+        </p:cNvPr>
+        <p:cNvGrpSpPr/>
+        <p:nvPr/>
+      </p:nvGrpSpPr>
+      <p:grpSpPr>
+        <a:xfrm>
+          <a:off x="0" y="0"/>
+          <a:ext cx="0" cy="0"/>
+          <a:chOff x="0" y="0"/>
+          <a:chExt cx="0" cy="0"/>
+        </a:xfrm>
+      </p:grpSpPr>
+      <p:pic>
+        <p:nvPicPr>
+          <p:cNvPr id="12" name="Imagem 11" descr="Gráfico, Gráfico de barras&#10;&#10;Descrição gerada automaticamente">
+            <a:extLst>
+              <a:ext uri="{FF2B5EF4-FFF2-40B4-BE49-F238E27FC236}">
+                <a16:creationId xmlns:a16="http://schemas.microsoft.com/office/drawing/2014/main" id="{68B8B815-F70A-CC1D-724F-D41D24598D62}"/>
+              </a:ext>
+            </a:extLst>
+          </p:cNvPr>
+          <p:cNvPicPr>
+            <a:picLocks noChangeAspect="1"/>
+          </p:cNvPicPr>
+          <p:nvPr/>
+        </p:nvPicPr>
+        <p:blipFill>
+          <a:blip r:embed="rId2">
+            <a:extLst>
+              <a:ext uri="{28A0092B-C50C-407E-A947-70E740481C1C}">
+                <a14:useLocalDpi xmlns:a14="http://schemas.microsoft.com/office/drawing/2010/main" val="0"/>
+              </a:ext>
+            </a:extLst>
+          </a:blip>
+          <a:stretch>
+            <a:fillRect/>
+          </a:stretch>
+        </p:blipFill>
+        <p:spPr>
+          <a:xfrm>
+            <a:off x="0" y="980832"/>
+            <a:ext cx="6120000" cy="3671998"/>
+          </a:xfrm>
+          <a:prstGeom prst="rect">
+            <a:avLst/>
+          </a:prstGeom>
+        </p:spPr>
+      </p:pic>
+      <p:pic>
+        <p:nvPicPr>
+          <p:cNvPr id="10" name="Imagem 9" descr="Gráfico&#10;&#10;Descrição gerada automaticamente">
+            <a:extLst>
+              <a:ext uri="{FF2B5EF4-FFF2-40B4-BE49-F238E27FC236}">
+                <a16:creationId xmlns:a16="http://schemas.microsoft.com/office/drawing/2014/main" id="{2FB2294E-2100-501E-98A4-D0104028B84E}"/>
+              </a:ext>
+            </a:extLst>
+          </p:cNvPr>
+          <p:cNvPicPr>
+            <a:picLocks noChangeAspect="1"/>
+          </p:cNvPicPr>
+          <p:nvPr/>
+        </p:nvPicPr>
+        <p:blipFill>
+          <a:blip r:embed="rId3">
+            <a:extLst>
+              <a:ext uri="{28A0092B-C50C-407E-A947-70E740481C1C}">
+                <a14:useLocalDpi xmlns:a14="http://schemas.microsoft.com/office/drawing/2010/main" val="0"/>
+              </a:ext>
+            </a:extLst>
+          </a:blip>
+          <a:stretch>
+            <a:fillRect/>
+          </a:stretch>
+        </p:blipFill>
+        <p:spPr>
+          <a:xfrm>
+            <a:off x="5916895" y="980832"/>
+            <a:ext cx="6120000" cy="3671998"/>
+          </a:xfrm>
+          <a:prstGeom prst="rect">
+            <a:avLst/>
+          </a:prstGeom>
+        </p:spPr>
+      </p:pic>
+      <p:sp>
+        <p:nvSpPr>
+          <p:cNvPr id="2" name="TextBox 1">
+            <a:extLst>
+              <a:ext uri="{FF2B5EF4-FFF2-40B4-BE49-F238E27FC236}">
+                <a16:creationId xmlns:a16="http://schemas.microsoft.com/office/drawing/2014/main" id="{B0B20570-A90A-94E7-F19B-03AAA7770749}"/>
+              </a:ext>
+            </a:extLst>
+          </p:cNvPr>
+          <p:cNvSpPr txBox="1"/>
+          <p:nvPr/>
+        </p:nvSpPr>
+        <p:spPr>
+          <a:xfrm>
+            <a:off x="809296" y="4933239"/>
+            <a:ext cx="2711669" cy="1477328"/>
+          </a:xfrm>
+          <a:prstGeom prst="rect">
+            <a:avLst/>
+          </a:prstGeom>
+          <a:noFill/>
+        </p:spPr>
+        <p:txBody>
+          <a:bodyPr wrap="square" rtlCol="0">
+            <a:spAutoFit/>
+          </a:bodyPr>
+          <a:lstStyle/>
+          <a:p>
+            <a:r>
+              <a:rPr lang="en-US" i="1" dirty="0" err="1">
+                <a:solidFill>
+                  <a:schemeClr val="accent2">
+                    <a:lumMod val="50000"/>
+                  </a:schemeClr>
+                </a:solidFill>
+              </a:rPr>
+              <a:t>Os</a:t>
+            </a:r>
+            <a:r>
+              <a:rPr lang="en-US" i="1" dirty="0">
+                <a:solidFill>
+                  <a:schemeClr val="accent2">
+                    <a:lumMod val="50000"/>
+                  </a:schemeClr>
+                </a:solidFill>
+              </a:rPr>
+              <a:t> </a:t>
+            </a:r>
+            <a:r>
+              <a:rPr lang="en-US" i="1" dirty="0" err="1">
+                <a:solidFill>
+                  <a:schemeClr val="accent2">
+                    <a:lumMod val="50000"/>
+                  </a:schemeClr>
+                </a:solidFill>
+              </a:rPr>
+              <a:t>processos</a:t>
+            </a:r>
+            <a:r>
+              <a:rPr lang="en-US" i="1" dirty="0">
+                <a:solidFill>
+                  <a:schemeClr val="accent2">
+                    <a:lumMod val="50000"/>
+                  </a:schemeClr>
+                </a:solidFill>
+              </a:rPr>
+              <a:t> </a:t>
+            </a:r>
+            <a:r>
+              <a:rPr lang="en-US" i="1" dirty="0" err="1">
+                <a:solidFill>
+                  <a:schemeClr val="accent2">
+                    <a:lumMod val="50000"/>
+                  </a:schemeClr>
+                </a:solidFill>
+              </a:rPr>
+              <a:t>estão</a:t>
+            </a:r>
+            <a:r>
+              <a:rPr lang="en-US" i="1" dirty="0">
+                <a:solidFill>
+                  <a:schemeClr val="accent2">
+                    <a:lumMod val="50000"/>
+                  </a:schemeClr>
+                </a:solidFill>
+              </a:rPr>
+              <a:t> </a:t>
+            </a:r>
+            <a:r>
+              <a:rPr lang="en-US" i="1" dirty="0" err="1">
+                <a:solidFill>
+                  <a:schemeClr val="accent2">
+                    <a:lumMod val="50000"/>
+                  </a:schemeClr>
+                </a:solidFill>
+              </a:rPr>
+              <a:t>classificados</a:t>
+            </a:r>
+            <a:r>
+              <a:rPr lang="en-US" i="1" dirty="0">
+                <a:solidFill>
+                  <a:schemeClr val="accent2">
+                    <a:lumMod val="50000"/>
+                  </a:schemeClr>
+                </a:solidFill>
+              </a:rPr>
+              <a:t> </a:t>
+            </a:r>
+            <a:r>
+              <a:rPr lang="en-US" i="1" dirty="0" err="1">
+                <a:solidFill>
+                  <a:schemeClr val="accent2">
+                    <a:lumMod val="50000"/>
+                  </a:schemeClr>
+                </a:solidFill>
+              </a:rPr>
+              <a:t>em</a:t>
+            </a:r>
+            <a:r>
+              <a:rPr lang="en-US" i="1" dirty="0">
+                <a:solidFill>
+                  <a:schemeClr val="accent2">
+                    <a:lumMod val="50000"/>
+                  </a:schemeClr>
+                </a:solidFill>
+              </a:rPr>
+              <a:t> 156 “</a:t>
+            </a:r>
+            <a:r>
+              <a:rPr lang="en-US" i="1" dirty="0" err="1">
+                <a:solidFill>
+                  <a:schemeClr val="accent2">
+                    <a:lumMod val="50000"/>
+                  </a:schemeClr>
+                </a:solidFill>
+              </a:rPr>
+              <a:t>assuntos</a:t>
+            </a:r>
+            <a:r>
+              <a:rPr lang="en-US" i="1" dirty="0">
+                <a:solidFill>
+                  <a:schemeClr val="accent2">
+                    <a:lumMod val="50000"/>
+                  </a:schemeClr>
+                </a:solidFill>
+              </a:rPr>
+              <a:t>” </a:t>
+            </a:r>
+            <a:r>
+              <a:rPr lang="en-US" i="1" dirty="0" err="1">
+                <a:solidFill>
+                  <a:schemeClr val="accent2">
+                    <a:lumMod val="50000"/>
+                  </a:schemeClr>
+                </a:solidFill>
+              </a:rPr>
+              <a:t>diferentes</a:t>
+            </a:r>
+            <a:r>
+              <a:rPr lang="en-US" i="1" dirty="0">
+                <a:solidFill>
+                  <a:schemeClr val="accent2">
+                    <a:lumMod val="50000"/>
+                  </a:schemeClr>
+                </a:solidFill>
+              </a:rPr>
+              <a:t>, mas esses 6 </a:t>
+            </a:r>
+            <a:r>
+              <a:rPr lang="en-US" i="1" dirty="0" err="1">
+                <a:solidFill>
+                  <a:schemeClr val="accent2">
+                    <a:lumMod val="50000"/>
+                  </a:schemeClr>
+                </a:solidFill>
+              </a:rPr>
+              <a:t>representam</a:t>
+            </a:r>
+            <a:r>
+              <a:rPr lang="en-US" i="1" dirty="0">
+                <a:solidFill>
+                  <a:schemeClr val="accent2">
+                    <a:lumMod val="50000"/>
+                  </a:schemeClr>
+                </a:solidFill>
+              </a:rPr>
+              <a:t> </a:t>
+            </a:r>
+            <a:r>
+              <a:rPr lang="en-US" b="1" i="1" dirty="0">
+                <a:solidFill>
+                  <a:schemeClr val="accent2">
+                    <a:lumMod val="50000"/>
+                  </a:schemeClr>
+                </a:solidFill>
+              </a:rPr>
+              <a:t>90%</a:t>
+            </a:r>
+            <a:r>
+              <a:rPr lang="en-US" i="1" dirty="0">
+                <a:solidFill>
+                  <a:schemeClr val="accent2">
+                    <a:lumMod val="50000"/>
+                  </a:schemeClr>
+                </a:solidFill>
+              </a:rPr>
+              <a:t> do valor total</a:t>
+            </a:r>
+          </a:p>
+        </p:txBody>
+      </p:sp>
+      <p:sp>
+        <p:nvSpPr>
+          <p:cNvPr id="3" name="Rectangle 2">
+            <a:extLst>
+              <a:ext uri="{FF2B5EF4-FFF2-40B4-BE49-F238E27FC236}">
+                <a16:creationId xmlns:a16="http://schemas.microsoft.com/office/drawing/2014/main" id="{08E3EDEC-2D20-63C9-77D8-B4D71CC1447D}"/>
+              </a:ext>
+            </a:extLst>
+          </p:cNvPr>
+          <p:cNvSpPr/>
+          <p:nvPr/>
+        </p:nvSpPr>
+        <p:spPr>
+          <a:xfrm>
+            <a:off x="1" y="1261241"/>
+            <a:ext cx="5665076" cy="2722180"/>
+          </a:xfrm>
+          <a:prstGeom prst="rect">
+            <a:avLst/>
+          </a:prstGeom>
+          <a:noFill/>
+          <a:ln>
+            <a:solidFill>
+              <a:srgbClr val="C00000"/>
+            </a:solidFill>
+          </a:ln>
+        </p:spPr>
+        <p:style>
+          <a:lnRef idx="2">
+            <a:schemeClr val="accent1">
+              <a:shade val="15000"/>
+            </a:schemeClr>
+          </a:lnRef>
+          <a:fillRef idx="1">
+            <a:schemeClr val="accent1"/>
+          </a:fillRef>
+          <a:effectRef idx="0">
+            <a:schemeClr val="accent1"/>
+          </a:effectRef>
+          <a:fontRef idx="minor">
+            <a:schemeClr val="lt1"/>
+          </a:fontRef>
+        </p:style>
+        <p:txBody>
+          <a:bodyPr rtlCol="0" anchor="ctr"/>
+          <a:lstStyle/>
+          <a:p>
+            <a:pPr algn="ctr"/>
+            <a:endParaRPr lang="en-US"/>
+          </a:p>
+        </p:txBody>
+      </p:sp>
+      <p:cxnSp>
+        <p:nvCxnSpPr>
+          <p:cNvPr id="5" name="Straight Connector 4">
+            <a:extLst>
+              <a:ext uri="{FF2B5EF4-FFF2-40B4-BE49-F238E27FC236}">
+                <a16:creationId xmlns:a16="http://schemas.microsoft.com/office/drawing/2014/main" id="{694AC278-EA70-16A4-2AC1-F60751C4ECA8}"/>
+              </a:ext>
+            </a:extLst>
+          </p:cNvPr>
+          <p:cNvCxnSpPr/>
+          <p:nvPr/>
+        </p:nvCxnSpPr>
+        <p:spPr>
+          <a:xfrm>
+            <a:off x="441434" y="3983421"/>
+            <a:ext cx="462456" cy="830317"/>
+          </a:xfrm>
+          <a:prstGeom prst="line">
+            <a:avLst/>
+          </a:prstGeom>
+          <a:ln>
+            <a:solidFill>
+              <a:srgbClr val="C00000"/>
+            </a:solidFill>
+          </a:ln>
+        </p:spPr>
+        <p:style>
+          <a:lnRef idx="2">
+            <a:schemeClr val="accent1"/>
+          </a:lnRef>
+          <a:fillRef idx="0">
+            <a:schemeClr val="accent1"/>
+          </a:fillRef>
+          <a:effectRef idx="1">
+            <a:schemeClr val="accent1"/>
+          </a:effectRef>
+          <a:fontRef idx="minor">
+            <a:schemeClr val="tx1"/>
+          </a:fontRef>
+        </p:style>
+      </p:cxnSp>
+    </p:spTree>
+    <p:extLst>
+      <p:ext uri="{BB962C8B-B14F-4D97-AF65-F5344CB8AC3E}">
+        <p14:creationId xmlns:p14="http://schemas.microsoft.com/office/powerpoint/2010/main" val="1574585658"/>
+      </p:ext>
+    </p:extLst>
+  </p:cSld>
+  <p:clrMapOvr>
+    <a:masterClrMapping/>
+  </p:clrMapOvr>
+</p:sld>
+</file>
+
+<file path=ppt/slides/slide6.xml><?xml version="1.0" encoding="utf-8"?>
+<p:sld xmlns:a="http://schemas.openxmlformats.org/drawingml/2006/main" xmlns:r="http://schemas.openxmlformats.org/officeDocument/2006/relationships" xmlns:p="http://schemas.openxmlformats.org/presentationml/2006/main">
+  <p:cSld>
     <p:spTree>
       <p:nvGrpSpPr>
         <p:cNvPr id="1" name=""/>
@@ -4607,7 +5094,7 @@
 </p:sld>
 </file>
 
-<file path=ppt/slides/slide6.xml><?xml version="1.0" encoding="utf-8"?>
+<file path=ppt/slides/slide7.xml><?xml version="1.0" encoding="utf-8"?>
 <p:sld xmlns:a="http://schemas.openxmlformats.org/drawingml/2006/main" xmlns:r="http://schemas.openxmlformats.org/officeDocument/2006/relationships" xmlns:p="http://schemas.openxmlformats.org/presentationml/2006/main">
   <p:cSld>
     <p:spTree>
@@ -4673,7 +5160,7 @@
 </p:sld>
 </file>
 
-<file path=ppt/slides/slide7.xml><?xml version="1.0" encoding="utf-8"?>
+<file path=ppt/slides/slide8.xml><?xml version="1.0" encoding="utf-8"?>
 <p:sld xmlns:a="http://schemas.openxmlformats.org/drawingml/2006/main" xmlns:r="http://schemas.openxmlformats.org/officeDocument/2006/relationships" xmlns:p="http://schemas.openxmlformats.org/presentationml/2006/main">
   <p:cSld>
     <p:spTree>
@@ -4883,7 +5370,7 @@
 </p:sld>
 </file>
 
-<file path=ppt/slides/slide8.xml><?xml version="1.0" encoding="utf-8"?>
+<file path=ppt/slides/slide9.xml><?xml version="1.0" encoding="utf-8"?>
 <p:sld xmlns:a="http://schemas.openxmlformats.org/drawingml/2006/main" xmlns:r="http://schemas.openxmlformats.org/officeDocument/2006/relationships" xmlns:p="http://schemas.openxmlformats.org/presentationml/2006/main">
   <p:cSld>
     <p:spTree>
@@ -4940,72 +5427,6 @@
     <p:extLst>
       <p:ext uri="{BB962C8B-B14F-4D97-AF65-F5344CB8AC3E}">
         <p14:creationId xmlns:p14="http://schemas.microsoft.com/office/powerpoint/2010/main" val="1432030472"/>
-      </p:ext>
-    </p:extLst>
-  </p:cSld>
-  <p:clrMapOvr>
-    <a:masterClrMapping/>
-  </p:clrMapOvr>
-</p:sld>
-</file>
-
-<file path=ppt/slides/slide9.xml><?xml version="1.0" encoding="utf-8"?>
-<p:sld xmlns:a="http://schemas.openxmlformats.org/drawingml/2006/main" xmlns:r="http://schemas.openxmlformats.org/officeDocument/2006/relationships" xmlns:p="http://schemas.openxmlformats.org/presentationml/2006/main">
-  <p:cSld>
-    <p:spTree>
-      <p:nvGrpSpPr>
-        <p:cNvPr id="1" name=""/>
-        <p:cNvGrpSpPr/>
-        <p:nvPr/>
-      </p:nvGrpSpPr>
-      <p:grpSpPr>
-        <a:xfrm>
-          <a:off x="0" y="0"/>
-          <a:ext cx="0" cy="0"/>
-          <a:chOff x="0" y="0"/>
-          <a:chExt cx="0" cy="0"/>
-        </a:xfrm>
-      </p:grpSpPr>
-      <p:pic>
-        <p:nvPicPr>
-          <p:cNvPr id="3" name="Imagem 2" descr="Gráfico, Gráfico de barras&#10;&#10;Descrição gerada automaticamente">
-            <a:extLst>
-              <a:ext uri="{FF2B5EF4-FFF2-40B4-BE49-F238E27FC236}">
-                <a16:creationId xmlns:a16="http://schemas.microsoft.com/office/drawing/2014/main" id="{BB7BDAA3-FD0A-1EEC-839E-7458CB7EDBA6}"/>
-              </a:ext>
-            </a:extLst>
-          </p:cNvPr>
-          <p:cNvPicPr>
-            <a:picLocks noChangeAspect="1"/>
-          </p:cNvPicPr>
-          <p:nvPr/>
-        </p:nvPicPr>
-        <p:blipFill>
-          <a:blip r:embed="rId2">
-            <a:extLst>
-              <a:ext uri="{28A0092B-C50C-407E-A947-70E740481C1C}">
-                <a14:useLocalDpi xmlns:a14="http://schemas.microsoft.com/office/drawing/2010/main" val="0"/>
-              </a:ext>
-            </a:extLst>
-          </a:blip>
-          <a:stretch>
-            <a:fillRect/>
-          </a:stretch>
-        </p:blipFill>
-        <p:spPr>
-          <a:xfrm>
-            <a:off x="0" y="177800"/>
-            <a:ext cx="12192000" cy="6502400"/>
-          </a:xfrm>
-          <a:prstGeom prst="rect">
-            <a:avLst/>
-          </a:prstGeom>
-        </p:spPr>
-      </p:pic>
-    </p:spTree>
-    <p:extLst>
-      <p:ext uri="{BB962C8B-B14F-4D97-AF65-F5344CB8AC3E}">
-        <p14:creationId xmlns:p14="http://schemas.microsoft.com/office/powerpoint/2010/main" val="2492110476"/>
       </p:ext>
     </p:extLst>
   </p:cSld>
